--- a/slides/Presentation1.pptx
+++ b/slides/Presentation1.pptx
@@ -8456,8 +8456,8 @@
         </p:nvSpPr>
         <p:spPr>
           <a:xfrm>
-            <a:off x="3038475" y="5753735"/>
-            <a:ext cx="5734050" cy="368300"/>
+            <a:off x="2472055" y="5753735"/>
+            <a:ext cx="7247890" cy="368300"/>
           </a:xfrm>
           <a:prstGeom prst="rect">
             <a:avLst/>
@@ -8471,7 +8471,41 @@
           <a:p>
             <a:r>
               <a:rPr lang="en-GB" altLang="en-US"/>
-              <a:t>Most users have very few view interactions with jobs</a:t>
+              <a:t>Most users have interactions </a:t>
+            </a:r>
+            <a:r>
+              <a:rPr lang="en-US" altLang="en-GB"/>
+              <a:t>(</a:t>
+            </a:r>
+            <a:r>
+              <a:rPr lang="en-GB" altLang="en-US">
+                <a:sym typeface="+mn-ea"/>
+              </a:rPr>
+              <a:t>view</a:t>
+            </a:r>
+            <a:r>
+              <a:rPr lang="en-US" altLang="en-GB"/>
+              <a:t>)</a:t>
+            </a:r>
+            <a:r>
+              <a:rPr lang="en-GB" altLang="en-US"/>
+              <a:t> with </a:t>
+            </a:r>
+            <a:r>
+              <a:rPr lang="en-GB" altLang="en-US">
+                <a:sym typeface="+mn-ea"/>
+              </a:rPr>
+              <a:t>very </a:t>
+            </a:r>
+            <a:r>
+              <a:rPr lang="en-US" altLang="en-GB">
+                <a:sym typeface="+mn-ea"/>
+              </a:rPr>
+              <a:t>small numbers of </a:t>
+            </a:r>
+            <a:r>
+              <a:rPr lang="en-GB" altLang="en-US"/>
+              <a:t>jobs</a:t>
             </a:r>
             <a:endParaRPr lang="en-GB" altLang="en-US"/>
           </a:p>
@@ -8777,15 +8811,37 @@
           <a:p>
             <a:r>
               <a:rPr lang="en-GB" altLang="en-US"/>
-              <a:t>The data sparsity issue is expected in the recommendation setting. However in the job recommendation setting, the sparsity issue (or cold start problem) is increased due to the fact that </a:t>
-            </a:r>
-            <a:r>
-              <a:rPr lang="en-GB" altLang="en-US" b="1"/>
-              <a:t>jobs are short lived</a:t>
+              <a:t>The data sparsity issue is expected in recommendation </a:t>
+            </a:r>
+            <a:r>
+              <a:rPr lang="en-US" altLang="en-GB"/>
+              <a:t>systems in general</a:t>
             </a:r>
             <a:r>
               <a:rPr lang="en-GB" altLang="en-US"/>
-              <a:t>. This is similar to news recommendation. This likely causes higher data sparsity to CF and thus prediction difficulty. It is probably more preferable to focus on content-based approaches.</a:t>
+              <a:t>. </a:t>
+            </a:r>
+            <a:r>
+              <a:t>However, in the job recommendation setting, the sparsity issue and cold start problem are exacerbated due to the </a:t>
+            </a:r>
+            <a:r>
+              <a:rPr b="1"/>
+              <a:t>short-lived nature</a:t>
+            </a:r>
+            <a:r>
+              <a:t> of jobs.</a:t>
+            </a:r>
+            <a:r>
+              <a:rPr lang="en-GB" altLang="en-US"/>
+              <a:t> This is similar to news recommendation. This likely causes higher data sparsity to CF and thus prediction difficulty. </a:t>
+            </a:r>
+            <a:r>
+              <a:rPr lang="en-US" altLang="en-GB"/>
+              <a:t>Therefore, maybe it’s</a:t>
+            </a:r>
+            <a:r>
+              <a:rPr lang="en-GB" altLang="en-US"/>
+              <a:t> preferable to focus on content-based approaches.</a:t>
             </a:r>
             <a:endParaRPr lang="en-GB" altLang="en-US"/>
           </a:p>
@@ -8866,7 +8922,7 @@
         </p:nvSpPr>
         <p:spPr>
           <a:xfrm>
-            <a:off x="3892550" y="5883910"/>
+            <a:off x="4269740" y="5876290"/>
             <a:ext cx="3652520" cy="368300"/>
           </a:xfrm>
           <a:prstGeom prst="rect">
@@ -9221,7 +9277,7 @@
         </p:nvSpPr>
         <p:spPr>
           <a:xfrm>
-            <a:off x="1656715" y="5521960"/>
+            <a:off x="2158365" y="5803900"/>
             <a:ext cx="7875905" cy="368300"/>
           </a:xfrm>
           <a:prstGeom prst="rect">
@@ -9277,7 +9333,7 @@
         <p:spPr>
           <a:xfrm>
             <a:off x="6231890" y="1998345"/>
-            <a:ext cx="5131435" cy="2861310"/>
+            <a:ext cx="5131435" cy="3138170"/>
           </a:xfrm>
           <a:prstGeom prst="rect">
             <a:avLst/>
@@ -9291,7 +9347,15 @@
           <a:p>
             <a:r>
               <a:rPr lang="en-GB" altLang="en-US"/>
-              <a:t>People often interact with diverse job categories. Some people are generalists; some people are specialists.  </a:t>
+              <a:t>People often interact with diverse job categories. Some people are generalists</a:t>
+            </a:r>
+            <a:r>
+              <a:rPr lang="en-US" altLang="en-GB"/>
+              <a:t>,</a:t>
+            </a:r>
+            <a:r>
+              <a:rPr lang="en-GB" altLang="en-US"/>
+              <a:t> while some people are specialists.  </a:t>
             </a:r>
             <a:endParaRPr lang="en-GB" altLang="en-US"/>
           </a:p>
@@ -9301,7 +9365,7 @@
           <a:p>
             <a:r>
               <a:rPr lang="en-GB" altLang="en-US"/>
-              <a:t>Meantime, note that the same kind of jobs may be put under different classes. For example, "data scientist" jobs are classified as "Information &amp; Communication Technology" and sometimes also as "Science &amp; Technology" or "Engineering".</a:t>
+              <a:t>Meanwhile, it is important to note that the same type of jobs may be classified under different categories. For example, "data scientist" jobs can be categorized as "Information &amp; Communication Technology," and at times they may also fall under "Science &amp; Technology" or "Engineering."</a:t>
             </a:r>
             <a:endParaRPr lang="en-GB" altLang="en-US"/>
           </a:p>
@@ -9497,8 +9561,8 @@
         </p:nvSpPr>
         <p:spPr>
           <a:xfrm>
-            <a:off x="3170555" y="5734685"/>
-            <a:ext cx="5473700" cy="368300"/>
+            <a:off x="3739515" y="5742305"/>
+            <a:ext cx="4712970" cy="368300"/>
           </a:xfrm>
           <a:prstGeom prst="rect">
             <a:avLst/>
@@ -9603,7 +9667,7 @@
               <a:rPr lang="en-US" altLang="en-US">
                 <a:sym typeface="+mn-ea"/>
               </a:rPr>
-              <a:t>Job Recommendation System</a:t>
+              <a:t>Job Recommendation System for Click Prediction</a:t>
             </a:r>
             <a:endParaRPr lang="en-US" altLang="en-GB"/>
           </a:p>
@@ -9766,7 +9830,7 @@
         <p:spPr>
           <a:xfrm>
             <a:off x="7183755" y="1180465"/>
-            <a:ext cx="4041775" cy="2584450"/>
+            <a:ext cx="4041775" cy="2861310"/>
           </a:xfrm>
           <a:prstGeom prst="rect">
             <a:avLst/>
@@ -9788,22 +9852,30 @@
             </a:r>
             <a:r>
               <a:rPr lang="en-GB" altLang="en-US"/>
-              <a:t> job event sequences of the sampled </a:t>
+              <a:t> job event sequences of </a:t>
             </a:r>
             <a:r>
               <a:rPr lang="en-US" altLang="en-GB"/>
-              <a:t>5 </a:t>
+              <a:t>5 randomly </a:t>
             </a:r>
             <a:r>
               <a:rPr lang="en-GB" altLang="en-US"/>
-              <a:t>users as a network</a:t>
+              <a:t>sampled users as a network</a:t>
             </a:r>
             <a:endParaRPr lang="en-GB" altLang="en-US"/>
           </a:p>
           <a:p>
             <a:r>
               <a:rPr lang="en-US" altLang="en-GB"/>
-              <a:t>(project/notebooks/step1_EDA/network_vis/)</a:t>
+              <a:t>(</a:t>
+            </a:r>
+            <a:r>
+              <a:rPr lang="en-US" altLang="en-GB" i="1" u="sng"/>
+              <a:t>project/notebooks/step1_EDA/network_vis/</a:t>
+            </a:r>
+            <a:r>
+              <a:rPr lang="en-US" altLang="en-GB"/>
+              <a:t>)</a:t>
             </a:r>
             <a:endParaRPr lang="en-US" altLang="en-GB"/>
           </a:p>
@@ -9813,7 +9885,23 @@
           <a:p>
             <a:r>
               <a:rPr lang="en-US" altLang="en-GB"/>
-              <a:t>Very often people have very diverse job interests (View type events). Many jobs in the same sequence often doesn't seem relevant to each other.</a:t>
+              <a:t>Very often people have very diverse job interests (View type events). </a:t>
+            </a:r>
+            <a:r>
+              <a:rPr lang="en-US" altLang="en-US"/>
+              <a:t>Judging from the job titles, m</a:t>
+            </a:r>
+            <a:r>
+              <a:rPr lang="en-US" altLang="en-GB"/>
+              <a:t>any jobs in the same sequence don't seem </a:t>
+            </a:r>
+            <a:r>
+              <a:rPr lang="en-US" altLang="en-US"/>
+              <a:t>directly </a:t>
+            </a:r>
+            <a:r>
+              <a:rPr lang="en-US" altLang="en-GB"/>
+              <a:t>relevant to each other.</a:t>
             </a:r>
             <a:endParaRPr lang="en-US" altLang="en-GB"/>
           </a:p>
@@ -9936,14 +10024,16 @@
         </p:nvSpPr>
         <p:spPr/>
         <p:txBody>
-          <a:bodyPr/>
+          <a:bodyPr>
+            <a:normAutofit fontScale="90000"/>
+          </a:bodyPr>
           <a:p>
             <a:pPr algn="ctr"/>
             <a:r>
               <a:rPr lang="en-US" altLang="en-US" sz="4000">
                 <a:sym typeface="+mn-ea"/>
               </a:rPr>
-              <a:t>Problem Formulation: Job Recommendation System</a:t>
+              <a:t>Problem Formulation: Job Recommendation System  for Click Prediction</a:t>
             </a:r>
             <a:endParaRPr lang="en-US" altLang="en-GB" sz="4000"/>
           </a:p>
@@ -10197,13 +10287,103 @@
             <a:pPr lvl="0"/>
             <a:r>
               <a:rPr lang="en-US" altLang="en-US"/>
-              <a:t>To </a:t>
+              <a:t>Item profile: for a given </a:t>
             </a:r>
             <a:r>
               <a:rPr lang="en-US" altLang="en-US">
                 <a:sym typeface="+mn-ea"/>
               </a:rPr>
-              <a:t>formulate the recommendation task for job click prediction, w</a:t>
+              <a:t>item</a:t>
+            </a:r>
+            <a:r>
+              <a:rPr lang="en-US" altLang="en-GB">
+                <a:sym typeface="+mn-ea"/>
+              </a:rPr>
+              <a:t> </a:t>
+            </a:r>
+            <a:r>
+              <a:rPr lang="en-US" altLang="en-US">
+                <a:sym typeface="+mn-ea"/>
+              </a:rPr>
+              <a:t>j</a:t>
+            </a:r>
+            <a:r>
+              <a:rPr lang="en-US" altLang="en-US" baseline="-25000">
+                <a:sym typeface="+mn-ea"/>
+              </a:rPr>
+              <a:t>k</a:t>
+            </a:r>
+            <a:r>
+              <a:rPr lang="en-US" altLang="en-US">
+                <a:sym typeface="+mn-ea"/>
+              </a:rPr>
+              <a:t>, </a:t>
+            </a:r>
+            <a:r>
+              <a:rPr lang="en-US" altLang="en-US"/>
+              <a:t>the </a:t>
+            </a:r>
+            <a:r>
+              <a:rPr lang="en-US" altLang="en-US">
+                <a:sym typeface="+mn-ea"/>
+              </a:rPr>
+              <a:t>title, abstract, job ID, and all of its metadata information constitute the job profile of item</a:t>
+            </a:r>
+            <a:r>
+              <a:rPr lang="en-US" altLang="en-GB">
+                <a:sym typeface="+mn-ea"/>
+              </a:rPr>
+              <a:t> </a:t>
+            </a:r>
+            <a:r>
+              <a:rPr lang="en-US" altLang="en-US">
+                <a:sym typeface="+mn-ea"/>
+              </a:rPr>
+              <a:t>j</a:t>
+            </a:r>
+            <a:r>
+              <a:rPr lang="en-US" altLang="en-US" baseline="-25000">
+                <a:sym typeface="+mn-ea"/>
+              </a:rPr>
+              <a:t>k</a:t>
+            </a:r>
+            <a:r>
+              <a:rPr lang="en-US" altLang="en-US">
+                <a:sym typeface="+mn-ea"/>
+              </a:rPr>
+              <a:t>. Since the task objective is to prediction click prediction, the job content text is therefore not considered. The metadata columns included are location, classification, sub classification, work type, etc.</a:t>
+            </a:r>
+            <a:endParaRPr lang="en-US" altLang="en-US"/>
+          </a:p>
+          <a:p>
+            <a:pPr lvl="0"/>
+            <a:r>
+              <a:rPr lang="en-US" altLang="en-US"/>
+              <a:t>To </a:t>
+            </a:r>
+            <a:r>
+              <a:rPr lang="en-US" altLang="en-US">
+                <a:sym typeface="+mn-ea"/>
+              </a:rPr>
+              <a:t>formulate the recommendation task for job click prediction, for a user </a:t>
+            </a:r>
+            <a:r>
+              <a:rPr lang="en-US" altLang="en-GB">
+                <a:sym typeface="+mn-ea"/>
+              </a:rPr>
+              <a:t>u</a:t>
+            </a:r>
+            <a:r>
+              <a:rPr lang="en-US" altLang="en-GB" baseline="-25000">
+                <a:sym typeface="+mn-ea"/>
+              </a:rPr>
+              <a:t>i </a:t>
+            </a:r>
+            <a:r>
+              <a:rPr lang="en-US" altLang="en-US">
+                <a:sym typeface="+mn-ea"/>
+              </a:rPr>
+              <a:t>, w</a:t>
             </a:r>
             <a:r>
               <a:rPr lang="en-US" altLang="en-GB"/>
@@ -10235,147 +10415,125 @@
             </a:r>
             <a:r>
               <a:rPr lang="en-US" altLang="en-US"/>
-              <a:t>of a </a:t>
+              <a:t>as the targeted job to be predicted, and we use user </a:t>
+            </a:r>
+            <a:r>
+              <a:rPr lang="en-US" altLang="en-GB"/>
+              <a:t>u</a:t>
+            </a:r>
+            <a:r>
+              <a:rPr lang="en-US" altLang="en-GB" baseline="-25000"/>
+              <a:t>i</a:t>
+            </a:r>
+            <a:r>
+              <a:rPr lang="en-US" altLang="en-GB"/>
+              <a:t>’s </a:t>
+            </a:r>
+            <a:r>
+              <a:rPr lang="en-US" altLang="en-US"/>
+              <a:t>information and his/her</a:t>
+            </a:r>
+            <a:r>
+              <a:rPr lang="en-US" altLang="en-GB"/>
+              <a:t> click sequence </a:t>
+            </a:r>
+            <a:r>
+              <a:rPr lang="en-US" altLang="en-GB">
+                <a:sym typeface="+mn-ea"/>
+              </a:rPr>
+              <a:t>(j</a:t>
+            </a:r>
+            <a:r>
+              <a:rPr lang="en-US" altLang="en-GB" baseline="-25000">
+                <a:sym typeface="+mn-ea"/>
+              </a:rPr>
+              <a:t>1</a:t>
+            </a:r>
+            <a:r>
+              <a:rPr lang="en-US" altLang="en-GB">
+                <a:sym typeface="+mn-ea"/>
+              </a:rPr>
+              <a:t>, j</a:t>
+            </a:r>
+            <a:r>
+              <a:rPr lang="en-US" altLang="en-US" baseline="-25000">
+                <a:sym typeface="+mn-ea"/>
+              </a:rPr>
+              <a:t>2</a:t>
+            </a:r>
+            <a:r>
+              <a:rPr lang="en-US" altLang="en-GB">
+                <a:sym typeface="+mn-ea"/>
+              </a:rPr>
+              <a:t>, ..., j</a:t>
+            </a:r>
+            <a:r>
+              <a:rPr lang="en-US" altLang="en-GB" baseline="-25000">
+                <a:sym typeface="+mn-ea"/>
+              </a:rPr>
+              <a:t>n</a:t>
+            </a:r>
+            <a:r>
+              <a:rPr lang="en-US" altLang="en-US" baseline="-25000">
+                <a:sym typeface="+mn-ea"/>
+              </a:rPr>
+              <a:t>-1</a:t>
+            </a:r>
+            <a:r>
+              <a:rPr lang="en-US" altLang="en-GB">
+                <a:sym typeface="+mn-ea"/>
+              </a:rPr>
+              <a:t>) </a:t>
             </a:r>
             <a:r>
               <a:rPr lang="en-US" altLang="en-US">
                 <a:sym typeface="+mn-ea"/>
               </a:rPr>
-              <a:t>user </a:t>
+              <a:t>as the user profile</a:t>
+            </a:r>
+            <a:r>
+              <a:rPr lang="en-US" altLang="en-GB"/>
+              <a:t>. </a:t>
+            </a:r>
+            <a:r>
+              <a:rPr lang="en-US" altLang="en-US"/>
+              <a:t>The objective of the recommendation task is to</a:t>
+            </a:r>
+            <a:r>
+              <a:rPr lang="en-US" altLang="en-GB"/>
+              <a:t> predict </a:t>
+            </a:r>
+            <a:r>
+              <a:rPr lang="en-US" altLang="en-US"/>
+              <a:t>the</a:t>
+            </a:r>
+            <a:r>
+              <a:rPr lang="en-US" altLang="en-GB"/>
+              <a:t> </a:t>
             </a:r>
             <a:r>
               <a:rPr lang="en-US" altLang="en-GB">
                 <a:sym typeface="+mn-ea"/>
               </a:rPr>
-              <a:t>u</a:t>
-            </a:r>
-            <a:r>
-              <a:rPr lang="en-US" altLang="en-GB" baseline="-25000">
+              <a:t>job j</a:t>
+            </a:r>
+            <a:r>
+              <a:rPr lang="en-US" altLang="en-US" baseline="-25000">
                 <a:sym typeface="+mn-ea"/>
               </a:rPr>
-              <a:t>i </a:t>
-            </a:r>
-            <a:r>
-              <a:rPr lang="en-US" altLang="en-US"/>
-              <a:t>as the targeted job to be predicted, and we will use user </a:t>
-            </a:r>
-            <a:r>
-              <a:rPr lang="en-US" altLang="en-GB"/>
-              <a:t>u</a:t>
-            </a:r>
-            <a:r>
-              <a:rPr lang="en-US" altLang="en-GB" baseline="-25000"/>
-              <a:t>i</a:t>
-            </a:r>
-            <a:r>
-              <a:rPr lang="en-US" altLang="en-GB"/>
-              <a:t>’s </a:t>
-            </a:r>
-            <a:r>
-              <a:rPr lang="en-US" altLang="en-US"/>
-              <a:t>information and his/her</a:t>
-            </a:r>
-            <a:r>
-              <a:rPr lang="en-US" altLang="en-GB"/>
-              <a:t> click sequence </a:t>
+              <a:t>n</a:t>
             </a:r>
             <a:r>
               <a:rPr lang="en-US" altLang="en-GB">
                 <a:sym typeface="+mn-ea"/>
               </a:rPr>
-              <a:t>(j</a:t>
-            </a:r>
-            <a:r>
-              <a:rPr lang="en-US" altLang="en-GB" baseline="-25000">
-                <a:sym typeface="+mn-ea"/>
-              </a:rPr>
-              <a:t>1</a:t>
-            </a:r>
-            <a:r>
-              <a:rPr lang="en-US" altLang="en-GB">
-                <a:sym typeface="+mn-ea"/>
-              </a:rPr>
-              <a:t>, j</a:t>
-            </a:r>
-            <a:r>
-              <a:rPr lang="en-US" altLang="en-US" baseline="-25000">
-                <a:sym typeface="+mn-ea"/>
-              </a:rPr>
-              <a:t>2</a:t>
-            </a:r>
-            <a:r>
-              <a:rPr lang="en-US" altLang="en-GB">
-                <a:sym typeface="+mn-ea"/>
-              </a:rPr>
-              <a:t>, ..., j</a:t>
-            </a:r>
-            <a:r>
-              <a:rPr lang="en-US" altLang="en-GB" baseline="-25000">
-                <a:sym typeface="+mn-ea"/>
-              </a:rPr>
-              <a:t>n</a:t>
-            </a:r>
-            <a:r>
-              <a:rPr lang="en-US" altLang="en-US" baseline="-25000">
-                <a:sym typeface="+mn-ea"/>
-              </a:rPr>
-              <a:t>-1</a:t>
-            </a:r>
-            <a:r>
-              <a:rPr lang="en-US" altLang="en-GB">
-                <a:sym typeface="+mn-ea"/>
-              </a:rPr>
-              <a:t>) </a:t>
+              <a:t> </a:t>
             </a:r>
             <a:r>
               <a:rPr lang="en-US" altLang="en-US">
                 <a:sym typeface="+mn-ea"/>
               </a:rPr>
-              <a:t>as the user profile</a:t>
-            </a:r>
-            <a:r>
-              <a:rPr lang="en-US" altLang="en-GB"/>
-              <a:t>. </a:t>
-            </a:r>
-            <a:r>
-              <a:rPr lang="en-US" altLang="en-US"/>
-              <a:t>The objective of the recommendation task is to</a:t>
-            </a:r>
-            <a:r>
-              <a:rPr lang="en-US" altLang="en-GB"/>
-              <a:t> predict </a:t>
-            </a:r>
-            <a:r>
-              <a:rPr lang="en-US" altLang="en-US"/>
-              <a:t>the</a:t>
-            </a:r>
-            <a:r>
-              <a:rPr lang="en-US" altLang="en-GB"/>
-              <a:t> </a:t>
-            </a:r>
-            <a:r>
-              <a:rPr lang="en-US" altLang="en-GB">
-                <a:sym typeface="+mn-ea"/>
-              </a:rPr>
-              <a:t>job j</a:t>
-            </a:r>
-            <a:r>
-              <a:rPr lang="en-US" altLang="en-US" baseline="-25000">
-                <a:sym typeface="+mn-ea"/>
-              </a:rPr>
-              <a:t>n</a:t>
-            </a:r>
-            <a:r>
-              <a:rPr lang="en-US" altLang="en-GB">
-                <a:sym typeface="+mn-ea"/>
-              </a:rPr>
-              <a:t> </a:t>
-            </a:r>
-            <a:r>
-              <a:rPr lang="en-US" altLang="en-US">
-                <a:sym typeface="+mn-ea"/>
-              </a:rPr>
-              <a:t>from </a:t>
+              <a:t>based on </a:t>
             </a:r>
             <a:r>
               <a:rPr lang="en-US" altLang="en-GB">
@@ -10905,7 +11063,7 @@
               <a:t>Model </a:t>
             </a:r>
             <a:r>
-              <a:rPr lang="" altLang="en-US"/>
+              <a:rPr lang="en-US" altLang="en-US"/>
               <a:t>D</a:t>
             </a:r>
             <a:r>
@@ -15192,7 +15350,7 @@
         </p:nvSpPr>
         <p:spPr>
           <a:xfrm>
-            <a:off x="6192520" y="6249035"/>
+            <a:off x="3741420" y="6249035"/>
             <a:ext cx="1008380" cy="301625"/>
           </a:xfrm>
           <a:prstGeom prst="rect">
@@ -15479,14 +15637,14 @@
           <p:cNvPr id="62" name="Elbow Connector 61"/>
           <p:cNvCxnSpPr>
             <a:stCxn id="56" idx="0"/>
-            <a:endCxn id="51" idx="6"/>
+            <a:endCxn id="51" idx="2"/>
           </p:cNvCxnSpPr>
           <p:nvPr/>
         </p:nvCxnSpPr>
         <p:spPr>
-          <a:xfrm rot="16200000" flipV="1">
-            <a:off x="6295708" y="5848033"/>
-            <a:ext cx="269875" cy="532130"/>
+          <a:xfrm rot="16200000">
+            <a:off x="5001260" y="5222875"/>
+            <a:ext cx="269875" cy="1782445"/>
           </a:xfrm>
           <a:prstGeom prst="bentConnector2">
             <a:avLst/>
@@ -16457,6 +16615,200 @@
           </a:fontRef>
         </p:style>
       </p:cxnSp>
+      <p:sp>
+        <p:nvSpPr>
+          <p:cNvPr id="1" name="Rectangle 0"/>
+          <p:cNvSpPr/>
+          <p:nvPr/>
+        </p:nvSpPr>
+        <p:spPr>
+          <a:xfrm>
+            <a:off x="7435850" y="6249035"/>
+            <a:ext cx="1008380" cy="301625"/>
+          </a:xfrm>
+          <a:prstGeom prst="rect">
+            <a:avLst/>
+          </a:prstGeom>
+        </p:spPr>
+        <p:style>
+          <a:lnRef idx="1">
+            <a:schemeClr val="accent4"/>
+          </a:lnRef>
+          <a:fillRef idx="2">
+            <a:schemeClr val="accent4"/>
+          </a:fillRef>
+          <a:effectRef idx="1">
+            <a:schemeClr val="accent4"/>
+          </a:effectRef>
+          <a:fontRef idx="minor">
+            <a:schemeClr val="dk1"/>
+          </a:fontRef>
+        </p:style>
+        <p:txBody>
+          <a:bodyPr rtlCol="0" anchor="ctr"/>
+          <a:p>
+            <a:pPr algn="ctr"/>
+            <a:r>
+              <a:rPr lang="en-US" altLang="en-US" sz="800">
+                <a:solidFill>
+                  <a:schemeClr val="tx1"/>
+                </a:solidFill>
+              </a:rPr>
+              <a:t>work type </a:t>
+            </a:r>
+            <a:r>
+              <a:rPr lang="en-US" altLang="en-GB" sz="800">
+                <a:solidFill>
+                  <a:schemeClr val="tx1"/>
+                </a:solidFill>
+              </a:rPr>
+              <a:t>embedding</a:t>
+            </a:r>
+            <a:endParaRPr lang="en-US" altLang="en-GB" sz="800">
+              <a:solidFill>
+                <a:schemeClr val="tx1"/>
+              </a:solidFill>
+            </a:endParaRPr>
+          </a:p>
+        </p:txBody>
+      </p:sp>
+      <p:sp>
+        <p:nvSpPr>
+          <p:cNvPr id="32" name="Rectangle 31"/>
+          <p:cNvSpPr/>
+          <p:nvPr/>
+        </p:nvSpPr>
+        <p:spPr>
+          <a:xfrm>
+            <a:off x="6227445" y="6249035"/>
+            <a:ext cx="1008380" cy="301625"/>
+          </a:xfrm>
+          <a:prstGeom prst="rect">
+            <a:avLst/>
+          </a:prstGeom>
+        </p:spPr>
+        <p:style>
+          <a:lnRef idx="1">
+            <a:schemeClr val="accent3"/>
+          </a:lnRef>
+          <a:fillRef idx="2">
+            <a:schemeClr val="accent3"/>
+          </a:fillRef>
+          <a:effectRef idx="1">
+            <a:schemeClr val="accent3"/>
+          </a:effectRef>
+          <a:fontRef idx="minor">
+            <a:schemeClr val="dk1"/>
+          </a:fontRef>
+        </p:style>
+        <p:txBody>
+          <a:bodyPr rtlCol="0" anchor="ctr"/>
+          <a:p>
+            <a:pPr algn="ctr"/>
+            <a:r>
+              <a:rPr lang="en-US" altLang="en-GB" sz="800">
+                <a:solidFill>
+                  <a:schemeClr val="tx1"/>
+                </a:solidFill>
+              </a:rPr>
+              <a:t>job </a:t>
+            </a:r>
+            <a:r>
+              <a:rPr lang="en-US" altLang="en-US" sz="800">
+                <a:solidFill>
+                  <a:schemeClr val="tx1"/>
+                </a:solidFill>
+              </a:rPr>
+              <a:t>subclass </a:t>
+            </a:r>
+            <a:r>
+              <a:rPr lang="en-US" altLang="en-GB" sz="800">
+                <a:solidFill>
+                  <a:schemeClr val="tx1"/>
+                </a:solidFill>
+              </a:rPr>
+              <a:t>embedding</a:t>
+            </a:r>
+            <a:endParaRPr lang="en-US" altLang="en-GB" sz="800">
+              <a:solidFill>
+                <a:schemeClr val="tx1"/>
+              </a:solidFill>
+            </a:endParaRPr>
+          </a:p>
+        </p:txBody>
+      </p:sp>
+      <p:cxnSp>
+        <p:nvCxnSpPr>
+          <p:cNvPr id="33" name="Elbow Connector 32"/>
+          <p:cNvCxnSpPr>
+            <a:stCxn id="32" idx="0"/>
+            <a:endCxn id="51" idx="6"/>
+          </p:cNvCxnSpPr>
+          <p:nvPr/>
+        </p:nvCxnSpPr>
+        <p:spPr>
+          <a:xfrm rot="16200000" flipV="1">
+            <a:off x="6312535" y="5830570"/>
+            <a:ext cx="269875" cy="567055"/>
+          </a:xfrm>
+          <a:prstGeom prst="bentConnector2">
+            <a:avLst/>
+          </a:prstGeom>
+          <a:ln>
+            <a:tailEnd type="triangle" w="med" len="med"/>
+          </a:ln>
+        </p:spPr>
+        <p:style>
+          <a:lnRef idx="1">
+            <a:schemeClr val="dk1"/>
+          </a:lnRef>
+          <a:fillRef idx="0">
+            <a:schemeClr val="dk1"/>
+          </a:fillRef>
+          <a:effectRef idx="0">
+            <a:schemeClr val="dk1"/>
+          </a:effectRef>
+          <a:fontRef idx="minor">
+            <a:schemeClr val="tx1"/>
+          </a:fontRef>
+        </p:style>
+      </p:cxnSp>
+      <p:cxnSp>
+        <p:nvCxnSpPr>
+          <p:cNvPr id="38" name="Elbow Connector 37"/>
+          <p:cNvCxnSpPr>
+            <a:stCxn id="1" idx="0"/>
+            <a:endCxn id="51" idx="6"/>
+          </p:cNvCxnSpPr>
+          <p:nvPr/>
+        </p:nvCxnSpPr>
+        <p:spPr>
+          <a:xfrm rot="16200000" flipV="1">
+            <a:off x="6917055" y="5226050"/>
+            <a:ext cx="269875" cy="1775460"/>
+          </a:xfrm>
+          <a:prstGeom prst="bentConnector2">
+            <a:avLst/>
+          </a:prstGeom>
+          <a:ln>
+            <a:tailEnd type="triangle" w="med" len="med"/>
+          </a:ln>
+        </p:spPr>
+        <p:style>
+          <a:lnRef idx="1">
+            <a:schemeClr val="dk1"/>
+          </a:lnRef>
+          <a:fillRef idx="0">
+            <a:schemeClr val="dk1"/>
+          </a:fillRef>
+          <a:effectRef idx="0">
+            <a:schemeClr val="dk1"/>
+          </a:effectRef>
+          <a:fontRef idx="minor">
+            <a:schemeClr val="tx1"/>
+          </a:fontRef>
+        </p:style>
+      </p:cxnSp>
     </p:spTree>
   </p:cSld>
   <p:clrMapOvr>
@@ -20981,7 +21333,7 @@
               <a:rPr lang="en-US" altLang="en-US">
                 <a:sym typeface="+mn-ea"/>
               </a:rPr>
-              <a:t>Data Analysis for </a:t>
+              <a:t>Data analysis for </a:t>
             </a:r>
             <a:r>
               <a:rPr lang="en-US" altLang="en-GB">
@@ -25659,7 +26011,7 @@
         <p:spPr>
           <a:xfrm>
             <a:off x="565150" y="440690"/>
-            <a:ext cx="10092055" cy="368300"/>
+            <a:ext cx="10092055" cy="645160"/>
           </a:xfrm>
           <a:prstGeom prst="rect">
             <a:avLst/>
@@ -25679,7 +26031,7 @@
             </a:r>
             <a:r>
               <a:rPr lang="en-US" altLang="en-US"/>
-              <a:t>Job’s title and abstract text token sequences</a:t>
+              <a:t>Job’s job ID, and the title and abstract token sequences</a:t>
             </a:r>
             <a:endParaRPr lang="en-US" altLang="en-US"/>
           </a:p>
@@ -26522,7 +26874,7 @@
               <a:rPr lang="en-US" altLang="en-US">
                 <a:sym typeface="+mn-ea"/>
               </a:rPr>
-              <a:t>contains pure textual content information. It can be compensated by the job ID embedding, which is learnt from both relational data and text data and thus further contains latent relations between user, item, and side features.</a:t>
+              <a:t>contains pure textual content information. It can be compensated by the job ID embedding, which is learnt from both relational data and text data and thus further contains latent relations between user, item, and side features. In my experiments, the fine tuning starts at the 10,000th step.</a:t>
             </a:r>
             <a:endParaRPr lang="en-GB" altLang="en-US"/>
           </a:p>
@@ -26673,31 +27025,7 @@
               <a:rPr lang="en-US" altLang="en-US">
                 <a:sym typeface="+mn-ea"/>
               </a:rPr>
-              <a:t>Tokenization and </a:t>
-            </a:r>
-            <a:r>
-              <a:rPr lang="" altLang="en-US">
-                <a:sym typeface="+mn-ea"/>
-              </a:rPr>
-              <a:t>d</a:t>
-            </a:r>
-            <a:r>
-              <a:rPr lang="en-US" altLang="en-US">
-                <a:sym typeface="+mn-ea"/>
-              </a:rPr>
-              <a:t>ynamic </a:t>
-            </a:r>
-            <a:r>
-              <a:rPr lang="" altLang="en-US">
-                <a:sym typeface="+mn-ea"/>
-              </a:rPr>
-              <a:t>p</a:t>
-            </a:r>
-            <a:r>
-              <a:rPr lang="en-US" altLang="en-US">
-                <a:sym typeface="+mn-ea"/>
-              </a:rPr>
-              <a:t>adding</a:t>
+              <a:t>Tokenization and dynamic padding</a:t>
             </a:r>
             <a:endParaRPr lang="en-US" altLang="en-US">
               <a:sym typeface="+mn-ea"/>
@@ -27006,7 +27334,7 @@
               <a:rPr lang="en-US" altLang="en-US">
                 <a:sym typeface="+mn-ea"/>
               </a:rPr>
-              <a:t>We then use 1:1 ratio to sample the negative candidate job for each positive sample. The negative sampling strategy is popularity-based. We can also use larger ratios to generate more negative samples for each positive sample. In order to reduce the training cost, we have used 1:1 ratio. There are also other negative sampling strategies.</a:t>
+              <a:t>We then use 1:1 ratio to sample the negative candidate job for each job click sequence. The negative sampling strategy is popularity-based. We can also use larger ratios to generate more negative samples for each job click sequence. In order to reduce the training cost, we have used 1:1 ratio. There are also other negative sampling strategies.</a:t>
             </a:r>
             <a:endParaRPr lang="en-US" altLang="en-US">
               <a:sym typeface="+mn-ea"/>
@@ -27829,7 +28157,7 @@
           </a:bodyPr>
           <a:p>
             <a:r>
-              <a:rPr lang="" altLang="en-US"/>
+              <a:rPr lang="en-US" altLang="en-US"/>
               <a:t>D</a:t>
             </a:r>
             <a:r>
@@ -28142,7 +28470,7 @@
           <a:p>
             <a:r>
               <a:rPr lang="en-US" altLang="en-US"/>
-              <a:t>Data Analysis for </a:t>
+              <a:t>Data analysis for </a:t>
             </a:r>
             <a:r>
               <a:rPr lang="en-US" altLang="en-GB">
@@ -29380,6 +29708,13 @@
           <a:bodyPr/>
           <a:p>
             <a:r>
+              <a:rPr lang="" altLang="en-US"/>
+              <a:t>Better recommendation generation and evaluation for Top-N Recommendations</a:t>
+            </a:r>
+            <a:endParaRPr lang="" altLang="en-US"/>
+          </a:p>
+          <a:p>
+            <a:r>
               <a:rPr lang="en-US" altLang="en-GB"/>
               <a:t>Loss function</a:t>
             </a:r>
@@ -29394,8 +29729,12 @@
           </a:p>
           <a:p>
             <a:r>
+              <a:rPr lang="" altLang="en-US"/>
+              <a:t>Better</a:t>
+            </a:r>
+            <a:r>
               <a:rPr lang="en-US" altLang="en-GB"/>
-              <a:t>More complex interaction layers</a:t>
+              <a:t> interaction layers</a:t>
             </a:r>
             <a:endParaRPr lang="en-US" altLang="en-GB"/>
           </a:p>

--- a/slides/Presentation1.pptx
+++ b/slides/Presentation1.pptx
@@ -10973,11 +10973,42 @@
             </a:endParaRPr>
           </a:p>
           <a:p>
-            <a:pPr lvl="0"/>
+            <a:pPr lvl="1">
+              <a:buFont typeface="Wingdings" panose="05000000000000000000" charset="0"/>
+              <a:buChar char=""/>
+            </a:pPr>
             <a:r>
               <a:rPr lang="en-US" altLang="en-US">
                 <a:sym typeface="+mn-ea"/>
               </a:rPr>
+              <a:t>Model </a:t>
+            </a:r>
+            <a:r>
+              <a:rPr lang="" altLang="en-US">
+                <a:sym typeface="+mn-ea"/>
+              </a:rPr>
+              <a:t>c</a:t>
+            </a:r>
+            <a:r>
+              <a:rPr lang="en-US" altLang="en-US">
+                <a:sym typeface="+mn-ea"/>
+              </a:rPr>
+              <a:t>ode: </a:t>
+            </a:r>
+            <a:r>
+              <a:rPr lang="en-US" altLang="en-US" i="1" u="sng">
+                <a:sym typeface="+mn-ea"/>
+              </a:rPr>
+              <a:t>ip-dual-encoder-interest-network/model_ddp_trainer/model.py</a:t>
+            </a:r>
+            <a:endParaRPr lang="en-US" altLang="en-US" i="1" u="sng"/>
+          </a:p>
+          <a:p>
+            <a:pPr lvl="0"/>
+            <a:r>
+              <a:rPr lang="en-US" altLang="en-US">
+                <a:sym typeface="+mn-ea"/>
+              </a:rPr>
               <a:t>D</a:t>
             </a:r>
             <a:r>
@@ -10997,30 +11028,54 @@
           <a:p>
             <a:pPr lvl="0"/>
             <a:r>
-              <a:rPr lang="en-US" altLang="en-US"/>
-              <a:t>Code</a:t>
-            </a:r>
-            <a:endParaRPr lang="en-US" altLang="en-US"/>
-          </a:p>
-          <a:p>
-            <a:pPr marL="0" lvl="0" indent="0">
-              <a:buNone/>
+              <a:rPr lang="" altLang="en-US">
+                <a:sym typeface="+mn-ea"/>
+              </a:rPr>
+              <a:t>Training </a:t>
+            </a:r>
+            <a:endParaRPr lang="" altLang="en-US">
+              <a:sym typeface="+mn-ea"/>
+            </a:endParaRPr>
+          </a:p>
+          <a:p>
+            <a:pPr lvl="1">
+              <a:buFont typeface="Wingdings" panose="05000000000000000000" charset="0"/>
+              <a:buChar char=""/>
             </a:pPr>
             <a:r>
-              <a:rPr lang="en-US" altLang="en-US" i="1" u="sng"/>
-              <a:t>ip-dual-encoder-interest-network/model_ddp_trainer/model.py</a:t>
-            </a:r>
-            <a:endParaRPr lang="en-US" altLang="en-US" i="1" u="sng"/>
+              <a:rPr lang="" altLang="en-US">
+                <a:sym typeface="+mn-ea"/>
+              </a:rPr>
+              <a:t>Trained in DDP mode</a:t>
+            </a:r>
+            <a:endParaRPr lang="" altLang="en-US">
+              <a:sym typeface="+mn-ea"/>
+            </a:endParaRPr>
+          </a:p>
+          <a:p>
+            <a:pPr lvl="1">
+              <a:buFont typeface="Wingdings" panose="05000000000000000000" charset="0"/>
+              <a:buChar char=""/>
+            </a:pPr>
+            <a:r>
+              <a:rPr lang="" altLang="en-US">
+                <a:sym typeface="+mn-ea"/>
+              </a:rPr>
+              <a:t>Training code: </a:t>
+            </a:r>
+            <a:r>
+              <a:rPr lang="en-US" altLang="en-US" i="1" u="sng">
+                <a:sym typeface="+mn-ea"/>
+              </a:rPr>
+              <a:t>ip-dual-encoder-interest-network/model_ddp_trainer/ddp_trainer.py</a:t>
+            </a:r>
+            <a:endParaRPr lang="" altLang="en-US">
+              <a:sym typeface="+mn-ea"/>
+            </a:endParaRPr>
           </a:p>
           <a:p>
             <a:pPr lvl="0"/>
-            <a:r>
-              <a:rPr lang="en-US" altLang="en-US">
-                <a:sym typeface="+mn-ea"/>
-              </a:rPr>
-              <a:t>Implementation</a:t>
-            </a:r>
-            <a:endParaRPr lang="en-US" altLang="en-US" i="1" u="sng">
+            <a:endParaRPr lang="" altLang="en-US" i="1" u="sng">
               <a:sym typeface="+mn-ea"/>
             </a:endParaRPr>
           </a:p>
@@ -29708,10 +29763,10 @@
           <a:bodyPr/>
           <a:p>
             <a:r>
-              <a:rPr lang="" altLang="en-US"/>
+              <a:rPr lang="en-US" altLang="en-US"/>
               <a:t>Better recommendation generation and evaluation for Top-N Recommendations</a:t>
             </a:r>
-            <a:endParaRPr lang="" altLang="en-US"/>
+            <a:endParaRPr lang="en-US" altLang="en-US"/>
           </a:p>
           <a:p>
             <a:r>
@@ -29729,7 +29784,7 @@
           </a:p>
           <a:p>
             <a:r>
-              <a:rPr lang="" altLang="en-US"/>
+              <a:rPr lang="en-US" altLang="en-US"/>
               <a:t>Better</a:t>
             </a:r>
             <a:r>
